--- a/4. Data exploration/Data_exploration.pptx
+++ b/4. Data exploration/Data_exploration.pptx
@@ -13,7 +13,6 @@
     <p:sldId id="261" r:id="rId7"/>
     <p:sldId id="262" r:id="rId8"/>
     <p:sldId id="264" r:id="rId9"/>
-    <p:sldId id="263" r:id="rId10"/>
   </p:sldIdLst>
   <p:sldSz cx="12192000" cy="6858000"/>
   <p:notesSz cx="6858000" cy="9144000"/>
@@ -162,10 +161,9 @@
           </a:lstStyle>
           <a:p>
             <a:r>
-              <a:rPr lang="en-US" smtClean="0"/>
+              <a:rPr lang="en-US"/>
               <a:t>Click to edit Master title style</a:t>
             </a:r>
-            <a:endParaRPr lang="en-US"/>
           </a:p>
         </p:txBody>
       </p:sp>
@@ -227,10 +225,9 @@
           </a:lstStyle>
           <a:p>
             <a:r>
-              <a:rPr lang="en-US" smtClean="0"/>
+              <a:rPr lang="en-US"/>
               <a:t>Click to edit Master subtitle style</a:t>
             </a:r>
-            <a:endParaRPr lang="en-US"/>
           </a:p>
         </p:txBody>
       </p:sp>
@@ -251,7 +248,7 @@
           <a:p>
             <a:fld id="{5D7A1F8C-62F5-5C43-8A5F-0B140731EF0C}" type="datetimeFigureOut">
               <a:rPr lang="en-US" smtClean="0"/>
-              <a:t>10/1/2018</a:t>
+              <a:t>10/8/19</a:t>
             </a:fld>
             <a:endParaRPr lang="en-US"/>
           </a:p>
@@ -345,10 +342,9 @@
           <a:lstStyle/>
           <a:p>
             <a:r>
-              <a:rPr lang="en-US" smtClean="0"/>
+              <a:rPr lang="en-US"/>
               <a:t>Click to edit Master title style</a:t>
             </a:r>
-            <a:endParaRPr lang="en-US"/>
           </a:p>
         </p:txBody>
       </p:sp>
@@ -369,38 +365,37 @@
           <a:p>
             <a:pPr lvl="0"/>
             <a:r>
-              <a:rPr lang="en-US" smtClean="0"/>
+              <a:rPr lang="en-US"/>
               <a:t>Click to edit Master text styles</a:t>
             </a:r>
           </a:p>
           <a:p>
             <a:pPr lvl="1"/>
             <a:r>
-              <a:rPr lang="en-US" smtClean="0"/>
+              <a:rPr lang="en-US"/>
               <a:t>Second level</a:t>
             </a:r>
           </a:p>
           <a:p>
             <a:pPr lvl="2"/>
             <a:r>
-              <a:rPr lang="en-US" smtClean="0"/>
+              <a:rPr lang="en-US"/>
               <a:t>Third level</a:t>
             </a:r>
           </a:p>
           <a:p>
             <a:pPr lvl="3"/>
             <a:r>
-              <a:rPr lang="en-US" smtClean="0"/>
+              <a:rPr lang="en-US"/>
               <a:t>Fourth level</a:t>
             </a:r>
           </a:p>
           <a:p>
             <a:pPr lvl="4"/>
             <a:r>
-              <a:rPr lang="en-US" smtClean="0"/>
+              <a:rPr lang="en-US"/>
               <a:t>Fifth level</a:t>
             </a:r>
-            <a:endParaRPr lang="en-US"/>
           </a:p>
         </p:txBody>
       </p:sp>
@@ -421,7 +416,7 @@
           <a:p>
             <a:fld id="{5D7A1F8C-62F5-5C43-8A5F-0B140731EF0C}" type="datetimeFigureOut">
               <a:rPr lang="en-US" smtClean="0"/>
-              <a:t>10/1/2018</a:t>
+              <a:t>10/8/19</a:t>
             </a:fld>
             <a:endParaRPr lang="en-US"/>
           </a:p>
@@ -520,10 +515,9 @@
           <a:lstStyle/>
           <a:p>
             <a:r>
-              <a:rPr lang="en-US" smtClean="0"/>
+              <a:rPr lang="en-US"/>
               <a:t>Click to edit Master title style</a:t>
             </a:r>
-            <a:endParaRPr lang="en-US"/>
           </a:p>
         </p:txBody>
       </p:sp>
@@ -549,38 +543,37 @@
           <a:p>
             <a:pPr lvl="0"/>
             <a:r>
-              <a:rPr lang="en-US" smtClean="0"/>
+              <a:rPr lang="en-US"/>
               <a:t>Click to edit Master text styles</a:t>
             </a:r>
           </a:p>
           <a:p>
             <a:pPr lvl="1"/>
             <a:r>
-              <a:rPr lang="en-US" smtClean="0"/>
+              <a:rPr lang="en-US"/>
               <a:t>Second level</a:t>
             </a:r>
           </a:p>
           <a:p>
             <a:pPr lvl="2"/>
             <a:r>
-              <a:rPr lang="en-US" smtClean="0"/>
+              <a:rPr lang="en-US"/>
               <a:t>Third level</a:t>
             </a:r>
           </a:p>
           <a:p>
             <a:pPr lvl="3"/>
             <a:r>
-              <a:rPr lang="en-US" smtClean="0"/>
+              <a:rPr lang="en-US"/>
               <a:t>Fourth level</a:t>
             </a:r>
           </a:p>
           <a:p>
             <a:pPr lvl="4"/>
             <a:r>
-              <a:rPr lang="en-US" smtClean="0"/>
+              <a:rPr lang="en-US"/>
               <a:t>Fifth level</a:t>
             </a:r>
-            <a:endParaRPr lang="en-US"/>
           </a:p>
         </p:txBody>
       </p:sp>
@@ -601,7 +594,7 @@
           <a:p>
             <a:fld id="{5D7A1F8C-62F5-5C43-8A5F-0B140731EF0C}" type="datetimeFigureOut">
               <a:rPr lang="en-US" smtClean="0"/>
-              <a:t>10/1/2018</a:t>
+              <a:t>10/8/19</a:t>
             </a:fld>
             <a:endParaRPr lang="en-US"/>
           </a:p>
@@ -695,10 +688,9 @@
           <a:lstStyle/>
           <a:p>
             <a:r>
-              <a:rPr lang="en-US" smtClean="0"/>
+              <a:rPr lang="en-US"/>
               <a:t>Click to edit Master title style</a:t>
             </a:r>
-            <a:endParaRPr lang="en-US"/>
           </a:p>
         </p:txBody>
       </p:sp>
@@ -719,38 +711,37 @@
           <a:p>
             <a:pPr lvl="0"/>
             <a:r>
-              <a:rPr lang="en-US" smtClean="0"/>
+              <a:rPr lang="en-US"/>
               <a:t>Click to edit Master text styles</a:t>
             </a:r>
           </a:p>
           <a:p>
             <a:pPr lvl="1"/>
             <a:r>
-              <a:rPr lang="en-US" smtClean="0"/>
+              <a:rPr lang="en-US"/>
               <a:t>Second level</a:t>
             </a:r>
           </a:p>
           <a:p>
             <a:pPr lvl="2"/>
             <a:r>
-              <a:rPr lang="en-US" smtClean="0"/>
+              <a:rPr lang="en-US"/>
               <a:t>Third level</a:t>
             </a:r>
           </a:p>
           <a:p>
             <a:pPr lvl="3"/>
             <a:r>
-              <a:rPr lang="en-US" smtClean="0"/>
+              <a:rPr lang="en-US"/>
               <a:t>Fourth level</a:t>
             </a:r>
           </a:p>
           <a:p>
             <a:pPr lvl="4"/>
             <a:r>
-              <a:rPr lang="en-US" smtClean="0"/>
+              <a:rPr lang="en-US"/>
               <a:t>Fifth level</a:t>
             </a:r>
-            <a:endParaRPr lang="en-US"/>
           </a:p>
         </p:txBody>
       </p:sp>
@@ -771,7 +762,7 @@
           <a:p>
             <a:fld id="{5D7A1F8C-62F5-5C43-8A5F-0B140731EF0C}" type="datetimeFigureOut">
               <a:rPr lang="en-US" smtClean="0"/>
-              <a:t>10/1/2018</a:t>
+              <a:t>10/8/19</a:t>
             </a:fld>
             <a:endParaRPr lang="en-US"/>
           </a:p>
@@ -874,10 +865,9 @@
           </a:lstStyle>
           <a:p>
             <a:r>
-              <a:rPr lang="en-US" smtClean="0"/>
+              <a:rPr lang="en-US"/>
               <a:t>Click to edit Master title style</a:t>
             </a:r>
-            <a:endParaRPr lang="en-US"/>
           </a:p>
         </p:txBody>
       </p:sp>
@@ -994,7 +984,7 @@
           <a:p>
             <a:pPr lvl="0"/>
             <a:r>
-              <a:rPr lang="en-US" smtClean="0"/>
+              <a:rPr lang="en-US"/>
               <a:t>Click to edit Master text styles</a:t>
             </a:r>
           </a:p>
@@ -1017,7 +1007,7 @@
           <a:p>
             <a:fld id="{5D7A1F8C-62F5-5C43-8A5F-0B140731EF0C}" type="datetimeFigureOut">
               <a:rPr lang="en-US" smtClean="0"/>
-              <a:t>10/1/2018</a:t>
+              <a:t>10/8/19</a:t>
             </a:fld>
             <a:endParaRPr lang="en-US"/>
           </a:p>
@@ -1111,10 +1101,9 @@
           <a:lstStyle/>
           <a:p>
             <a:r>
-              <a:rPr lang="en-US" smtClean="0"/>
+              <a:rPr lang="en-US"/>
               <a:t>Click to edit Master title style</a:t>
             </a:r>
-            <a:endParaRPr lang="en-US"/>
           </a:p>
         </p:txBody>
       </p:sp>
@@ -1140,38 +1129,37 @@
           <a:p>
             <a:pPr lvl="0"/>
             <a:r>
-              <a:rPr lang="en-US" smtClean="0"/>
+              <a:rPr lang="en-US"/>
               <a:t>Click to edit Master text styles</a:t>
             </a:r>
           </a:p>
           <a:p>
             <a:pPr lvl="1"/>
             <a:r>
-              <a:rPr lang="en-US" smtClean="0"/>
+              <a:rPr lang="en-US"/>
               <a:t>Second level</a:t>
             </a:r>
           </a:p>
           <a:p>
             <a:pPr lvl="2"/>
             <a:r>
-              <a:rPr lang="en-US" smtClean="0"/>
+              <a:rPr lang="en-US"/>
               <a:t>Third level</a:t>
             </a:r>
           </a:p>
           <a:p>
             <a:pPr lvl="3"/>
             <a:r>
-              <a:rPr lang="en-US" smtClean="0"/>
+              <a:rPr lang="en-US"/>
               <a:t>Fourth level</a:t>
             </a:r>
           </a:p>
           <a:p>
             <a:pPr lvl="4"/>
             <a:r>
-              <a:rPr lang="en-US" smtClean="0"/>
+              <a:rPr lang="en-US"/>
               <a:t>Fifth level</a:t>
             </a:r>
-            <a:endParaRPr lang="en-US"/>
           </a:p>
         </p:txBody>
       </p:sp>
@@ -1197,38 +1185,37 @@
           <a:p>
             <a:pPr lvl="0"/>
             <a:r>
-              <a:rPr lang="en-US" smtClean="0"/>
+              <a:rPr lang="en-US"/>
               <a:t>Click to edit Master text styles</a:t>
             </a:r>
           </a:p>
           <a:p>
             <a:pPr lvl="1"/>
             <a:r>
-              <a:rPr lang="en-US" smtClean="0"/>
+              <a:rPr lang="en-US"/>
               <a:t>Second level</a:t>
             </a:r>
           </a:p>
           <a:p>
             <a:pPr lvl="2"/>
             <a:r>
-              <a:rPr lang="en-US" smtClean="0"/>
+              <a:rPr lang="en-US"/>
               <a:t>Third level</a:t>
             </a:r>
           </a:p>
           <a:p>
             <a:pPr lvl="3"/>
             <a:r>
-              <a:rPr lang="en-US" smtClean="0"/>
+              <a:rPr lang="en-US"/>
               <a:t>Fourth level</a:t>
             </a:r>
           </a:p>
           <a:p>
             <a:pPr lvl="4"/>
             <a:r>
-              <a:rPr lang="en-US" smtClean="0"/>
+              <a:rPr lang="en-US"/>
               <a:t>Fifth level</a:t>
             </a:r>
-            <a:endParaRPr lang="en-US"/>
           </a:p>
         </p:txBody>
       </p:sp>
@@ -1249,7 +1236,7 @@
           <a:p>
             <a:fld id="{5D7A1F8C-62F5-5C43-8A5F-0B140731EF0C}" type="datetimeFigureOut">
               <a:rPr lang="en-US" smtClean="0"/>
-              <a:t>10/1/2018</a:t>
+              <a:t>10/8/19</a:t>
             </a:fld>
             <a:endParaRPr lang="en-US"/>
           </a:p>
@@ -1348,10 +1335,9 @@
           <a:lstStyle/>
           <a:p>
             <a:r>
-              <a:rPr lang="en-US" smtClean="0"/>
+              <a:rPr lang="en-US"/>
               <a:t>Click to edit Master title style</a:t>
             </a:r>
-            <a:endParaRPr lang="en-US"/>
           </a:p>
         </p:txBody>
       </p:sp>
@@ -1414,7 +1400,7 @@
           <a:p>
             <a:pPr lvl="0"/>
             <a:r>
-              <a:rPr lang="en-US" smtClean="0"/>
+              <a:rPr lang="en-US"/>
               <a:t>Click to edit Master text styles</a:t>
             </a:r>
           </a:p>
@@ -1442,38 +1428,37 @@
           <a:p>
             <a:pPr lvl="0"/>
             <a:r>
-              <a:rPr lang="en-US" smtClean="0"/>
+              <a:rPr lang="en-US"/>
               <a:t>Click to edit Master text styles</a:t>
             </a:r>
           </a:p>
           <a:p>
             <a:pPr lvl="1"/>
             <a:r>
-              <a:rPr lang="en-US" smtClean="0"/>
+              <a:rPr lang="en-US"/>
               <a:t>Second level</a:t>
             </a:r>
           </a:p>
           <a:p>
             <a:pPr lvl="2"/>
             <a:r>
-              <a:rPr lang="en-US" smtClean="0"/>
+              <a:rPr lang="en-US"/>
               <a:t>Third level</a:t>
             </a:r>
           </a:p>
           <a:p>
             <a:pPr lvl="3"/>
             <a:r>
-              <a:rPr lang="en-US" smtClean="0"/>
+              <a:rPr lang="en-US"/>
               <a:t>Fourth level</a:t>
             </a:r>
           </a:p>
           <a:p>
             <a:pPr lvl="4"/>
             <a:r>
-              <a:rPr lang="en-US" smtClean="0"/>
+              <a:rPr lang="en-US"/>
               <a:t>Fifth level</a:t>
             </a:r>
-            <a:endParaRPr lang="en-US"/>
           </a:p>
         </p:txBody>
       </p:sp>
@@ -1536,7 +1521,7 @@
           <a:p>
             <a:pPr lvl="0"/>
             <a:r>
-              <a:rPr lang="en-US" smtClean="0"/>
+              <a:rPr lang="en-US"/>
               <a:t>Click to edit Master text styles</a:t>
             </a:r>
           </a:p>
@@ -1564,38 +1549,37 @@
           <a:p>
             <a:pPr lvl="0"/>
             <a:r>
-              <a:rPr lang="en-US" smtClean="0"/>
+              <a:rPr lang="en-US"/>
               <a:t>Click to edit Master text styles</a:t>
             </a:r>
           </a:p>
           <a:p>
             <a:pPr lvl="1"/>
             <a:r>
-              <a:rPr lang="en-US" smtClean="0"/>
+              <a:rPr lang="en-US"/>
               <a:t>Second level</a:t>
             </a:r>
           </a:p>
           <a:p>
             <a:pPr lvl="2"/>
             <a:r>
-              <a:rPr lang="en-US" smtClean="0"/>
+              <a:rPr lang="en-US"/>
               <a:t>Third level</a:t>
             </a:r>
           </a:p>
           <a:p>
             <a:pPr lvl="3"/>
             <a:r>
-              <a:rPr lang="en-US" smtClean="0"/>
+              <a:rPr lang="en-US"/>
               <a:t>Fourth level</a:t>
             </a:r>
           </a:p>
           <a:p>
             <a:pPr lvl="4"/>
             <a:r>
-              <a:rPr lang="en-US" smtClean="0"/>
+              <a:rPr lang="en-US"/>
               <a:t>Fifth level</a:t>
             </a:r>
-            <a:endParaRPr lang="en-US"/>
           </a:p>
         </p:txBody>
       </p:sp>
@@ -1616,7 +1600,7 @@
           <a:p>
             <a:fld id="{5D7A1F8C-62F5-5C43-8A5F-0B140731EF0C}" type="datetimeFigureOut">
               <a:rPr lang="en-US" smtClean="0"/>
-              <a:t>10/1/2018</a:t>
+              <a:t>10/8/19</a:t>
             </a:fld>
             <a:endParaRPr lang="en-US"/>
           </a:p>
@@ -1710,10 +1694,9 @@
           <a:lstStyle/>
           <a:p>
             <a:r>
-              <a:rPr lang="en-US" smtClean="0"/>
+              <a:rPr lang="en-US"/>
               <a:t>Click to edit Master title style</a:t>
             </a:r>
-            <a:endParaRPr lang="en-US"/>
           </a:p>
         </p:txBody>
       </p:sp>
@@ -1734,7 +1717,7 @@
           <a:p>
             <a:fld id="{5D7A1F8C-62F5-5C43-8A5F-0B140731EF0C}" type="datetimeFigureOut">
               <a:rPr lang="en-US" smtClean="0"/>
-              <a:t>10/1/2018</a:t>
+              <a:t>10/8/19</a:t>
             </a:fld>
             <a:endParaRPr lang="en-US"/>
           </a:p>
@@ -1829,7 +1812,7 @@
           <a:p>
             <a:fld id="{5D7A1F8C-62F5-5C43-8A5F-0B140731EF0C}" type="datetimeFigureOut">
               <a:rPr lang="en-US" smtClean="0"/>
-              <a:t>10/1/2018</a:t>
+              <a:t>10/8/19</a:t>
             </a:fld>
             <a:endParaRPr lang="en-US"/>
           </a:p>
@@ -1932,10 +1915,9 @@
           </a:lstStyle>
           <a:p>
             <a:r>
-              <a:rPr lang="en-US" smtClean="0"/>
+              <a:rPr lang="en-US"/>
               <a:t>Click to edit Master title style</a:t>
             </a:r>
-            <a:endParaRPr lang="en-US"/>
           </a:p>
         </p:txBody>
       </p:sp>
@@ -1989,38 +1971,37 @@
           <a:p>
             <a:pPr lvl="0"/>
             <a:r>
-              <a:rPr lang="en-US" smtClean="0"/>
+              <a:rPr lang="en-US"/>
               <a:t>Click to edit Master text styles</a:t>
             </a:r>
           </a:p>
           <a:p>
             <a:pPr lvl="1"/>
             <a:r>
-              <a:rPr lang="en-US" smtClean="0"/>
+              <a:rPr lang="en-US"/>
               <a:t>Second level</a:t>
             </a:r>
           </a:p>
           <a:p>
             <a:pPr lvl="2"/>
             <a:r>
-              <a:rPr lang="en-US" smtClean="0"/>
+              <a:rPr lang="en-US"/>
               <a:t>Third level</a:t>
             </a:r>
           </a:p>
           <a:p>
             <a:pPr lvl="3"/>
             <a:r>
-              <a:rPr lang="en-US" smtClean="0"/>
+              <a:rPr lang="en-US"/>
               <a:t>Fourth level</a:t>
             </a:r>
           </a:p>
           <a:p>
             <a:pPr lvl="4"/>
             <a:r>
-              <a:rPr lang="en-US" smtClean="0"/>
+              <a:rPr lang="en-US"/>
               <a:t>Fifth level</a:t>
             </a:r>
-            <a:endParaRPr lang="en-US"/>
           </a:p>
         </p:txBody>
       </p:sp>
@@ -2083,7 +2064,7 @@
           <a:p>
             <a:pPr lvl="0"/>
             <a:r>
-              <a:rPr lang="en-US" smtClean="0"/>
+              <a:rPr lang="en-US"/>
               <a:t>Click to edit Master text styles</a:t>
             </a:r>
           </a:p>
@@ -2106,7 +2087,7 @@
           <a:p>
             <a:fld id="{5D7A1F8C-62F5-5C43-8A5F-0B140731EF0C}" type="datetimeFigureOut">
               <a:rPr lang="en-US" smtClean="0"/>
-              <a:t>10/1/2018</a:t>
+              <a:t>10/8/19</a:t>
             </a:fld>
             <a:endParaRPr lang="en-US"/>
           </a:p>
@@ -2209,10 +2190,9 @@
           </a:lstStyle>
           <a:p>
             <a:r>
-              <a:rPr lang="en-US" smtClean="0"/>
+              <a:rPr lang="en-US"/>
               <a:t>Click to edit Master title style</a:t>
             </a:r>
-            <a:endParaRPr lang="en-US"/>
           </a:p>
         </p:txBody>
       </p:sp>
@@ -2336,7 +2316,7 @@
           <a:p>
             <a:pPr lvl="0"/>
             <a:r>
-              <a:rPr lang="en-US" smtClean="0"/>
+              <a:rPr lang="en-US"/>
               <a:t>Click to edit Master text styles</a:t>
             </a:r>
           </a:p>
@@ -2359,7 +2339,7 @@
           <a:p>
             <a:fld id="{5D7A1F8C-62F5-5C43-8A5F-0B140731EF0C}" type="datetimeFigureOut">
               <a:rPr lang="en-US" smtClean="0"/>
-              <a:t>10/1/2018</a:t>
+              <a:t>10/8/19</a:t>
             </a:fld>
             <a:endParaRPr lang="en-US"/>
           </a:p>
@@ -2468,10 +2448,9 @@
           <a:lstStyle/>
           <a:p>
             <a:r>
-              <a:rPr lang="en-US" smtClean="0"/>
+              <a:rPr lang="en-US"/>
               <a:t>Click to edit Master title style</a:t>
             </a:r>
-            <a:endParaRPr lang="en-US"/>
           </a:p>
         </p:txBody>
       </p:sp>
@@ -2502,38 +2481,37 @@
           <a:p>
             <a:pPr lvl="0"/>
             <a:r>
-              <a:rPr lang="en-US" smtClean="0"/>
+              <a:rPr lang="en-US"/>
               <a:t>Click to edit Master text styles</a:t>
             </a:r>
           </a:p>
           <a:p>
             <a:pPr lvl="1"/>
             <a:r>
-              <a:rPr lang="en-US" smtClean="0"/>
+              <a:rPr lang="en-US"/>
               <a:t>Second level</a:t>
             </a:r>
           </a:p>
           <a:p>
             <a:pPr lvl="2"/>
             <a:r>
-              <a:rPr lang="en-US" smtClean="0"/>
+              <a:rPr lang="en-US"/>
               <a:t>Third level</a:t>
             </a:r>
           </a:p>
           <a:p>
             <a:pPr lvl="3"/>
             <a:r>
-              <a:rPr lang="en-US" smtClean="0"/>
+              <a:rPr lang="en-US"/>
               <a:t>Fourth level</a:t>
             </a:r>
           </a:p>
           <a:p>
             <a:pPr lvl="4"/>
             <a:r>
-              <a:rPr lang="en-US" smtClean="0"/>
+              <a:rPr lang="en-US"/>
               <a:t>Fifth level</a:t>
             </a:r>
-            <a:endParaRPr lang="en-US"/>
           </a:p>
         </p:txBody>
       </p:sp>
@@ -2572,7 +2550,7 @@
           <a:p>
             <a:fld id="{5D7A1F8C-62F5-5C43-8A5F-0B140731EF0C}" type="datetimeFigureOut">
               <a:rPr lang="en-US" smtClean="0"/>
-              <a:t>10/1/2018</a:t>
+              <a:t>10/8/19</a:t>
             </a:fld>
             <a:endParaRPr lang="en-US"/>
           </a:p>
@@ -2993,39 +2971,28 @@
           <a:lstStyle/>
           <a:p>
             <a:r>
-              <a:rPr lang="en-US" dirty="0" smtClean="0"/>
+              <a:rPr lang="en-US" dirty="0"/>
               <a:t>Data Exploration</a:t>
             </a:r>
+          </a:p>
+        </p:txBody>
+      </p:sp>
+      <p:sp>
+        <p:nvSpPr>
+          <p:cNvPr id="3" name="Subtitle 2"/>
+          <p:cNvSpPr>
+            <a:spLocks noGrp="1"/>
+          </p:cNvSpPr>
+          <p:nvPr>
+            <p:ph type="subTitle" idx="1"/>
+          </p:nvPr>
+        </p:nvSpPr>
+        <p:spPr/>
+        <p:txBody>
+          <a:bodyPr/>
+          <a:lstStyle/>
+          <a:p>
             <a:endParaRPr lang="en-US" dirty="0"/>
-          </a:p>
-        </p:txBody>
-      </p:sp>
-      <p:sp>
-        <p:nvSpPr>
-          <p:cNvPr id="3" name="Subtitle 2"/>
-          <p:cNvSpPr>
-            <a:spLocks noGrp="1"/>
-          </p:cNvSpPr>
-          <p:nvPr>
-            <p:ph type="subTitle" idx="1"/>
-          </p:nvPr>
-        </p:nvSpPr>
-        <p:spPr/>
-        <p:txBody>
-          <a:bodyPr/>
-          <a:lstStyle/>
-          <a:p>
-            <a:r>
-              <a:rPr lang="en-US" dirty="0" smtClean="0"/>
-              <a:t>EEB698</a:t>
-            </a:r>
-          </a:p>
-          <a:p>
-            <a:r>
-              <a:rPr lang="en-US" dirty="0" smtClean="0"/>
-              <a:t>1 October 2018</a:t>
-            </a:r>
-            <a:endParaRPr lang="en-US" dirty="0" smtClean="0"/>
           </a:p>
         </p:txBody>
       </p:sp>
@@ -3075,10 +3042,9 @@
           <a:lstStyle/>
           <a:p>
             <a:r>
-              <a:rPr lang="en-US" dirty="0" smtClean="0"/>
+              <a:rPr lang="en-US" dirty="0"/>
               <a:t>Goals of data exploration</a:t>
             </a:r>
-            <a:endParaRPr lang="en-US" dirty="0"/>
           </a:p>
         </p:txBody>
       </p:sp>
@@ -3098,14 +3064,13 @@
           <a:lstStyle/>
           <a:p>
             <a:r>
-              <a:rPr lang="en-US" dirty="0" smtClean="0"/>
+              <a:rPr lang="en-US" dirty="0"/>
               <a:t>Make sure data are correct – should do alongside data wrangling</a:t>
             </a:r>
-            <a:endParaRPr lang="en-US" dirty="0"/>
-          </a:p>
-          <a:p>
-            <a:r>
-              <a:rPr lang="en-US" dirty="0" smtClean="0"/>
+          </a:p>
+          <a:p>
+            <a:r>
+              <a:rPr lang="en-US" dirty="0"/>
               <a:t>Get to know your data to plan your analysis</a:t>
             </a:r>
           </a:p>
@@ -3157,70 +3122,69 @@
           <a:lstStyle/>
           <a:p>
             <a:r>
-              <a:rPr lang="en-US" dirty="0" smtClean="0"/>
+              <a:rPr lang="en-US" dirty="0"/>
               <a:t>1. Make sure your data are correct</a:t>
             </a:r>
+          </a:p>
+        </p:txBody>
+      </p:sp>
+      <p:sp>
+        <p:nvSpPr>
+          <p:cNvPr id="3" name="Content Placeholder 2"/>
+          <p:cNvSpPr>
+            <a:spLocks noGrp="1"/>
+          </p:cNvSpPr>
+          <p:nvPr>
+            <p:ph idx="1"/>
+          </p:nvPr>
+        </p:nvSpPr>
+        <p:spPr/>
+        <p:txBody>
+          <a:bodyPr/>
+          <a:lstStyle/>
+          <a:p>
+            <a:r>
+              <a:rPr lang="en-US" dirty="0"/>
+              <a:t>Use tables and graphs to look for problems</a:t>
+            </a:r>
+          </a:p>
+          <a:p>
+            <a:pPr lvl="1"/>
+            <a:r>
+              <a:rPr lang="en-US" dirty="0"/>
+              <a:t>Outlier or impossible values</a:t>
+            </a:r>
+          </a:p>
+          <a:p>
+            <a:pPr lvl="1"/>
+            <a:r>
+              <a:rPr lang="en-US" dirty="0"/>
+              <a:t>Misspellings</a:t>
+            </a:r>
+          </a:p>
+          <a:p>
+            <a:pPr lvl="1"/>
+            <a:r>
+              <a:rPr lang="en-US" dirty="0"/>
+              <a:t>Extra spaces</a:t>
+            </a:r>
+          </a:p>
+          <a:p>
+            <a:pPr lvl="1"/>
+            <a:r>
+              <a:rPr lang="en-US" dirty="0"/>
+              <a:t>Unusual ranges or missing data</a:t>
+            </a:r>
+          </a:p>
+          <a:p>
+            <a:r>
+              <a:rPr lang="en-US" dirty="0"/>
+              <a:t>As you find problems, update your wrangling code to fix them, and print a new tidy file</a:t>
+            </a:r>
+          </a:p>
+          <a:p>
+            <a:pPr lvl="1"/>
             <a:endParaRPr lang="en-US" dirty="0"/>
-          </a:p>
-        </p:txBody>
-      </p:sp>
-      <p:sp>
-        <p:nvSpPr>
-          <p:cNvPr id="3" name="Content Placeholder 2"/>
-          <p:cNvSpPr>
-            <a:spLocks noGrp="1"/>
-          </p:cNvSpPr>
-          <p:nvPr>
-            <p:ph idx="1"/>
-          </p:nvPr>
-        </p:nvSpPr>
-        <p:spPr/>
-        <p:txBody>
-          <a:bodyPr/>
-          <a:lstStyle/>
-          <a:p>
-            <a:r>
-              <a:rPr lang="en-US" dirty="0" smtClean="0"/>
-              <a:t>Use tables and graphs to look for problems</a:t>
-            </a:r>
-          </a:p>
-          <a:p>
-            <a:pPr lvl="1"/>
-            <a:r>
-              <a:rPr lang="en-US" dirty="0" smtClean="0"/>
-              <a:t>Outlier or impossible values</a:t>
-            </a:r>
-          </a:p>
-          <a:p>
-            <a:pPr lvl="1"/>
-            <a:r>
-              <a:rPr lang="en-US" dirty="0" smtClean="0"/>
-              <a:t>Misspellings</a:t>
-            </a:r>
-          </a:p>
-          <a:p>
-            <a:pPr lvl="1"/>
-            <a:r>
-              <a:rPr lang="en-US" dirty="0" smtClean="0"/>
-              <a:t>Extra spaces</a:t>
-            </a:r>
-          </a:p>
-          <a:p>
-            <a:pPr lvl="1"/>
-            <a:r>
-              <a:rPr lang="en-US" dirty="0" smtClean="0"/>
-              <a:t>Unusual ranges or missing data</a:t>
-            </a:r>
-          </a:p>
-          <a:p>
-            <a:r>
-              <a:rPr lang="en-US" dirty="0" smtClean="0"/>
-              <a:t>As you find problems, update your wrangling code to fix them, and print a new tidy file</a:t>
-            </a:r>
-          </a:p>
-          <a:p>
-            <a:pPr lvl="1"/>
-            <a:endParaRPr lang="en-US" dirty="0" smtClean="0"/>
           </a:p>
         </p:txBody>
       </p:sp>
@@ -3270,10 +3234,9 @@
           <a:lstStyle/>
           <a:p>
             <a:r>
-              <a:rPr lang="en-US" dirty="0" smtClean="0"/>
+              <a:rPr lang="en-US" dirty="0"/>
               <a:t>2. Explore your data</a:t>
             </a:r>
-            <a:endParaRPr lang="en-US" dirty="0"/>
           </a:p>
         </p:txBody>
       </p:sp>
@@ -3293,70 +3256,53 @@
           <a:lstStyle/>
           <a:p>
             <a:r>
-              <a:rPr lang="en-US" dirty="0" smtClean="0"/>
-              <a:t>Research should </a:t>
-            </a:r>
-            <a:r>
-              <a:rPr lang="en-US" dirty="0" smtClean="0"/>
-              <a:t>start with a hypothesis, develop a study, test that </a:t>
-            </a:r>
-            <a:r>
-              <a:rPr lang="en-US" dirty="0" smtClean="0"/>
-              <a:t>hypothesis. </a:t>
-            </a:r>
-            <a:endParaRPr lang="en-US" dirty="0" smtClean="0"/>
-          </a:p>
-          <a:p>
-            <a:r>
-              <a:rPr lang="en-US" dirty="0" smtClean="0"/>
+              <a:rPr lang="en-US" dirty="0"/>
+              <a:t>Research should start with a hypothesis, develop a study, test that hypothesis. </a:t>
+            </a:r>
+          </a:p>
+          <a:p>
+            <a:r>
+              <a:rPr lang="en-US" dirty="0"/>
               <a:t>Data exploration, as we are doing it today, is not about finding what’s likely to be significant and then testing it</a:t>
             </a:r>
           </a:p>
           <a:p>
             <a:pPr lvl="1"/>
             <a:r>
-              <a:rPr lang="en-US" dirty="0" smtClean="0">
+              <a:rPr lang="en-US" dirty="0">
                 <a:hlinkClick r:id="rId2"/>
               </a:rPr>
-              <a:t>Andrew </a:t>
-            </a:r>
-            <a:r>
-              <a:rPr lang="en-US" dirty="0" smtClean="0">
-                <a:hlinkClick r:id="rId2"/>
-              </a:rPr>
-              <a:t>Gelman’s Slate</a:t>
-            </a:r>
-            <a:r>
-              <a:rPr lang="en-US" dirty="0" smtClean="0"/>
+              <a:t>Andrew Gelman’s Slate</a:t>
+            </a:r>
+            <a:r>
+              <a:rPr lang="en-US" dirty="0"/>
               <a:t> article and the </a:t>
             </a:r>
             <a:r>
-              <a:rPr lang="en-US" dirty="0" smtClean="0">
+              <a:rPr lang="en-US" dirty="0">
                 <a:hlinkClick r:id="rId3"/>
               </a:rPr>
               <a:t>authors’ response</a:t>
             </a:r>
-            <a:endParaRPr lang="en-US" dirty="0" smtClean="0"/>
-          </a:p>
-          <a:p>
-            <a:r>
-              <a:rPr lang="en-US" dirty="0" smtClean="0">
+            <a:endParaRPr lang="en-US" dirty="0"/>
+          </a:p>
+          <a:p>
+            <a:r>
+              <a:rPr lang="en-US" dirty="0">
                 <a:hlinkClick r:id="rId4"/>
               </a:rPr>
               <a:t>Exploratory statistics: </a:t>
             </a:r>
             <a:r>
-              <a:rPr lang="en-US" dirty="0" smtClean="0"/>
+              <a:rPr lang="en-US" dirty="0"/>
               <a:t>You might explore a large dataset without a hypothesis, and use it to develop a hypothesis, but then you should develop a different dataset with which to test it. </a:t>
             </a:r>
-            <a:endParaRPr lang="en-US" dirty="0" smtClean="0"/>
-          </a:p>
-          <a:p>
-            <a:r>
-              <a:rPr lang="en-US" dirty="0" smtClean="0"/>
+          </a:p>
+          <a:p>
+            <a:r>
+              <a:rPr lang="en-US" dirty="0"/>
               <a:t>You should use exploration to get to know your dataset, so you can be smart about your analysis</a:t>
             </a:r>
-            <a:endParaRPr lang="en-US" dirty="0" smtClean="0"/>
           </a:p>
         </p:txBody>
       </p:sp>
@@ -3406,14 +3352,9 @@
           <a:lstStyle/>
           <a:p>
             <a:r>
-              <a:rPr lang="en-US" dirty="0" smtClean="0"/>
-              <a:t>Goal of data </a:t>
-            </a:r>
-            <a:r>
-              <a:rPr lang="en-US" dirty="0" smtClean="0"/>
-              <a:t>exploration prior to analysis</a:t>
-            </a:r>
-            <a:endParaRPr lang="en-US" dirty="0"/>
+              <a:rPr lang="en-US" dirty="0"/>
+              <a:t>Goal of data exploration prior to analysis</a:t>
+            </a:r>
           </a:p>
         </p:txBody>
       </p:sp>
@@ -3427,88 +3368,106 @@
             <p:ph idx="1"/>
           </p:nvPr>
         </p:nvSpPr>
-        <p:spPr/>
+        <p:spPr>
+          <a:xfrm>
+            <a:off x="838200" y="1825625"/>
+            <a:ext cx="10515600" cy="4667250"/>
+          </a:xfrm>
+        </p:spPr>
         <p:txBody>
           <a:bodyPr>
-            <a:normAutofit lnSpcReduction="10000"/>
+            <a:normAutofit fontScale="92500" lnSpcReduction="10000"/>
           </a:bodyPr>
           <a:lstStyle/>
           <a:p>
             <a:r>
-              <a:rPr lang="en-US" dirty="0" smtClean="0"/>
+              <a:rPr lang="en-US" dirty="0"/>
               <a:t>Get to know your dataset</a:t>
             </a:r>
           </a:p>
           <a:p>
             <a:pPr lvl="1"/>
             <a:r>
-              <a:rPr lang="en-US" dirty="0" smtClean="0"/>
+              <a:rPr lang="en-US" dirty="0"/>
               <a:t>What is your response?</a:t>
             </a:r>
           </a:p>
           <a:p>
             <a:pPr lvl="1"/>
             <a:r>
-              <a:rPr lang="en-US" dirty="0" smtClean="0"/>
+              <a:rPr lang="en-US" dirty="0"/>
               <a:t>What are your continuous predictors? Categorical predictors? </a:t>
             </a:r>
           </a:p>
           <a:p>
             <a:pPr lvl="1"/>
             <a:r>
-              <a:rPr lang="en-US" dirty="0" smtClean="0"/>
+              <a:rPr lang="en-US" dirty="0"/>
               <a:t>Any random effects? </a:t>
             </a:r>
           </a:p>
           <a:p>
             <a:r>
-              <a:rPr lang="en-US" dirty="0" smtClean="0"/>
-              <a:t>Assess: </a:t>
+              <a:rPr lang="en-US" dirty="0"/>
+              <a:t>What type of variation occurs within my variables? </a:t>
             </a:r>
           </a:p>
           <a:p>
             <a:pPr lvl="1"/>
             <a:r>
-              <a:rPr lang="en-US" dirty="0" smtClean="0"/>
+              <a:rPr lang="en-US" dirty="0"/>
               <a:t>Outliers in response and continuous predictors</a:t>
             </a:r>
           </a:p>
           <a:p>
             <a:pPr lvl="1"/>
             <a:r>
-              <a:rPr lang="en-US" dirty="0" smtClean="0"/>
+              <a:rPr lang="en-US" dirty="0"/>
               <a:t>Zero-inflation</a:t>
             </a:r>
           </a:p>
           <a:p>
             <a:pPr lvl="1"/>
             <a:r>
-              <a:rPr lang="en-US" dirty="0" err="1" smtClean="0"/>
+              <a:rPr lang="en-US" dirty="0"/>
+              <a:t>Missing data</a:t>
+            </a:r>
+          </a:p>
+          <a:p>
+            <a:r>
+              <a:rPr lang="en-US" dirty="0"/>
+              <a:t>What type of covariation occurs between my variables? </a:t>
+            </a:r>
+          </a:p>
+          <a:p>
+            <a:pPr lvl="1"/>
+            <a:r>
+              <a:rPr lang="en-US" dirty="0" err="1"/>
               <a:t>Collinearity</a:t>
             </a:r>
             <a:r>
-              <a:rPr lang="en-US" dirty="0" smtClean="0"/>
+              <a:rPr lang="en-US" dirty="0"/>
               <a:t> (predictors are correlated)</a:t>
             </a:r>
           </a:p>
           <a:p>
             <a:pPr lvl="1"/>
             <a:r>
-              <a:rPr lang="en-US" dirty="0" smtClean="0"/>
+              <a:rPr lang="en-US" dirty="0"/>
               <a:t>Linearity &amp; homogeneity</a:t>
             </a:r>
           </a:p>
           <a:p>
             <a:pPr lvl="1"/>
             <a:r>
-              <a:rPr lang="en-US" dirty="0" smtClean="0"/>
+              <a:rPr lang="en-US" dirty="0"/>
               <a:t>Independence of response </a:t>
             </a:r>
           </a:p>
           <a:p>
             <a:pPr lvl="1"/>
             <a:r>
-              <a:rPr lang="en-US" dirty="0" smtClean="0"/>
+              <a:rPr lang="en-US" dirty="0"/>
               <a:t>Missing data</a:t>
             </a:r>
           </a:p>
@@ -3560,10 +3519,9 @@
           <a:lstStyle/>
           <a:p>
             <a:r>
-              <a:rPr lang="en-US" dirty="0" smtClean="0"/>
+              <a:rPr lang="en-US" dirty="0"/>
               <a:t>Types of graphics</a:t>
             </a:r>
-            <a:endParaRPr lang="en-US" dirty="0"/>
           </a:p>
         </p:txBody>
       </p:sp>
@@ -3588,7 +3546,7 @@
           <a:lstStyle/>
           <a:p>
             <a:r>
-              <a:rPr lang="en-US" dirty="0" smtClean="0"/>
+              <a:rPr lang="en-US" dirty="0"/>
               <a:t>Histogram – shows counts of continuous variables</a:t>
             </a:r>
           </a:p>
@@ -3643,10 +3601,9 @@
           <a:lstStyle/>
           <a:p>
             <a:r>
-              <a:rPr lang="en-US" dirty="0" smtClean="0"/>
+              <a:rPr lang="en-US" dirty="0"/>
               <a:t>Types of graphics</a:t>
             </a:r>
-            <a:endParaRPr lang="en-US" dirty="0"/>
           </a:p>
         </p:txBody>
       </p:sp>
@@ -3673,22 +3630,18 @@
           <a:lstStyle/>
           <a:p>
             <a:r>
-              <a:rPr lang="en-US" dirty="0" smtClean="0"/>
+              <a:rPr lang="en-US" dirty="0"/>
               <a:t>Boxplot – shows variation within a continuous variable</a:t>
             </a:r>
           </a:p>
           <a:p>
             <a:pPr lvl="1"/>
-            <a:endParaRPr lang="en-US" dirty="0" smtClean="0"/>
-          </a:p>
-          <a:p>
-            <a:r>
-              <a:rPr lang="en-US" dirty="0" smtClean="0"/>
-              <a:t>Shows minimum*, </a:t>
-            </a:r>
-            <a:r>
-              <a:rPr lang="en-US" dirty="0"/>
-              <a:t>first </a:t>
+            <a:endParaRPr lang="en-US" dirty="0"/>
+          </a:p>
+          <a:p>
+            <a:r>
+              <a:rPr lang="en-US" dirty="0"/>
+              <a:t>Shows minimum*, first </a:t>
             </a:r>
             <a:r>
               <a:rPr lang="en-US" b="1" dirty="0"/>
@@ -3704,19 +3657,14 @@
             </a:r>
             <a:r>
               <a:rPr lang="en-US" dirty="0"/>
-              <a:t>, and </a:t>
-            </a:r>
-            <a:r>
-              <a:rPr lang="en-US" dirty="0" smtClean="0"/>
-              <a:t>maximum*</a:t>
-            </a:r>
-          </a:p>
-          <a:p>
-            <a:r>
-              <a:rPr lang="en-US" dirty="0" smtClean="0"/>
+              <a:t>, and maximum*</a:t>
+            </a:r>
+          </a:p>
+          <a:p>
+            <a:r>
+              <a:rPr lang="en-US" dirty="0"/>
               <a:t>Violin plot is similar, but has more information</a:t>
             </a:r>
-            <a:endParaRPr lang="en-US" dirty="0"/>
           </a:p>
         </p:txBody>
       </p:sp>
@@ -3766,10 +3714,9 @@
           <a:lstStyle/>
           <a:p>
             <a:r>
-              <a:rPr lang="en-US" dirty="0" smtClean="0"/>
+              <a:rPr lang="en-US" dirty="0"/>
               <a:t>Types of graphics</a:t>
             </a:r>
-            <a:endParaRPr lang="en-US" dirty="0"/>
           </a:p>
         </p:txBody>
       </p:sp>
@@ -3796,17 +3743,16 @@
           <a:lstStyle/>
           <a:p>
             <a:r>
-              <a:rPr lang="en-US" dirty="0" smtClean="0"/>
+              <a:rPr lang="en-US" dirty="0"/>
               <a:t>Scatterplot</a:t>
             </a:r>
           </a:p>
           <a:p>
             <a:pPr lvl="1"/>
             <a:r>
-              <a:rPr lang="en-US" dirty="0" smtClean="0"/>
+              <a:rPr lang="en-US" dirty="0"/>
               <a:t>Continuous x and y data</a:t>
             </a:r>
-            <a:endParaRPr lang="en-US" dirty="0"/>
           </a:p>
         </p:txBody>
       </p:sp>
@@ -3814,74 +3760,6 @@
     <p:extLst>
       <p:ext uri="{BB962C8B-B14F-4D97-AF65-F5344CB8AC3E}">
         <p14:creationId xmlns:p14="http://schemas.microsoft.com/office/powerpoint/2010/main" val="1424817064"/>
-      </p:ext>
-    </p:extLst>
-  </p:cSld>
-  <p:clrMapOvr>
-    <a:masterClrMapping/>
-  </p:clrMapOvr>
-</p:sld>
-</file>
-
-<file path=ppt/slides/slide9.xml><?xml version="1.0" encoding="utf-8"?>
-<p:sld xmlns:a="http://schemas.openxmlformats.org/drawingml/2006/main" xmlns:r="http://schemas.openxmlformats.org/officeDocument/2006/relationships" xmlns:p="http://schemas.openxmlformats.org/presentationml/2006/main">
-  <p:cSld>
-    <p:spTree>
-      <p:nvGrpSpPr>
-        <p:cNvPr id="1" name=""/>
-        <p:cNvGrpSpPr/>
-        <p:nvPr/>
-      </p:nvGrpSpPr>
-      <p:grpSpPr>
-        <a:xfrm>
-          <a:off x="0" y="0"/>
-          <a:ext cx="0" cy="0"/>
-          <a:chOff x="0" y="0"/>
-          <a:chExt cx="0" cy="0"/>
-        </a:xfrm>
-      </p:grpSpPr>
-      <p:sp>
-        <p:nvSpPr>
-          <p:cNvPr id="2" name="Title 1"/>
-          <p:cNvSpPr>
-            <a:spLocks noGrp="1"/>
-          </p:cNvSpPr>
-          <p:nvPr>
-            <p:ph type="title"/>
-          </p:nvPr>
-        </p:nvSpPr>
-        <p:spPr/>
-        <p:txBody>
-          <a:bodyPr/>
-          <a:lstStyle/>
-          <a:p>
-            <a:endParaRPr lang="en-US"/>
-          </a:p>
-        </p:txBody>
-      </p:sp>
-      <p:sp>
-        <p:nvSpPr>
-          <p:cNvPr id="3" name="Content Placeholder 2"/>
-          <p:cNvSpPr>
-            <a:spLocks noGrp="1"/>
-          </p:cNvSpPr>
-          <p:nvPr>
-            <p:ph idx="1"/>
-          </p:nvPr>
-        </p:nvSpPr>
-        <p:spPr/>
-        <p:txBody>
-          <a:bodyPr/>
-          <a:lstStyle/>
-          <a:p>
-            <a:endParaRPr lang="en-US"/>
-          </a:p>
-        </p:txBody>
-      </p:sp>
-    </p:spTree>
-    <p:extLst>
-      <p:ext uri="{BB962C8B-B14F-4D97-AF65-F5344CB8AC3E}">
-        <p14:creationId xmlns:p14="http://schemas.microsoft.com/office/powerpoint/2010/main" val="4263022505"/>
       </p:ext>
     </p:extLst>
   </p:cSld>

--- a/4. Data exploration/Data_exploration.pptx
+++ b/4. Data exploration/Data_exploration.pptx
@@ -10,9 +10,6 @@
     <p:sldId id="260" r:id="rId4"/>
     <p:sldId id="257" r:id="rId5"/>
     <p:sldId id="258" r:id="rId6"/>
-    <p:sldId id="261" r:id="rId7"/>
-    <p:sldId id="262" r:id="rId8"/>
-    <p:sldId id="264" r:id="rId9"/>
   </p:sldIdLst>
   <p:sldSz cx="12192000" cy="6858000"/>
   <p:notesSz cx="6858000" cy="9144000"/>
@@ -248,7 +245,7 @@
           <a:p>
             <a:fld id="{5D7A1F8C-62F5-5C43-8A5F-0B140731EF0C}" type="datetimeFigureOut">
               <a:rPr lang="en-US" smtClean="0"/>
-              <a:t>10/8/19</a:t>
+              <a:t>10/15/19</a:t>
             </a:fld>
             <a:endParaRPr lang="en-US"/>
           </a:p>
@@ -416,7 +413,7 @@
           <a:p>
             <a:fld id="{5D7A1F8C-62F5-5C43-8A5F-0B140731EF0C}" type="datetimeFigureOut">
               <a:rPr lang="en-US" smtClean="0"/>
-              <a:t>10/8/19</a:t>
+              <a:t>10/15/19</a:t>
             </a:fld>
             <a:endParaRPr lang="en-US"/>
           </a:p>
@@ -594,7 +591,7 @@
           <a:p>
             <a:fld id="{5D7A1F8C-62F5-5C43-8A5F-0B140731EF0C}" type="datetimeFigureOut">
               <a:rPr lang="en-US" smtClean="0"/>
-              <a:t>10/8/19</a:t>
+              <a:t>10/15/19</a:t>
             </a:fld>
             <a:endParaRPr lang="en-US"/>
           </a:p>
@@ -762,7 +759,7 @@
           <a:p>
             <a:fld id="{5D7A1F8C-62F5-5C43-8A5F-0B140731EF0C}" type="datetimeFigureOut">
               <a:rPr lang="en-US" smtClean="0"/>
-              <a:t>10/8/19</a:t>
+              <a:t>10/15/19</a:t>
             </a:fld>
             <a:endParaRPr lang="en-US"/>
           </a:p>
@@ -1007,7 +1004,7 @@
           <a:p>
             <a:fld id="{5D7A1F8C-62F5-5C43-8A5F-0B140731EF0C}" type="datetimeFigureOut">
               <a:rPr lang="en-US" smtClean="0"/>
-              <a:t>10/8/19</a:t>
+              <a:t>10/15/19</a:t>
             </a:fld>
             <a:endParaRPr lang="en-US"/>
           </a:p>
@@ -1236,7 +1233,7 @@
           <a:p>
             <a:fld id="{5D7A1F8C-62F5-5C43-8A5F-0B140731EF0C}" type="datetimeFigureOut">
               <a:rPr lang="en-US" smtClean="0"/>
-              <a:t>10/8/19</a:t>
+              <a:t>10/15/19</a:t>
             </a:fld>
             <a:endParaRPr lang="en-US"/>
           </a:p>
@@ -1600,7 +1597,7 @@
           <a:p>
             <a:fld id="{5D7A1F8C-62F5-5C43-8A5F-0B140731EF0C}" type="datetimeFigureOut">
               <a:rPr lang="en-US" smtClean="0"/>
-              <a:t>10/8/19</a:t>
+              <a:t>10/15/19</a:t>
             </a:fld>
             <a:endParaRPr lang="en-US"/>
           </a:p>
@@ -1717,7 +1714,7 @@
           <a:p>
             <a:fld id="{5D7A1F8C-62F5-5C43-8A5F-0B140731EF0C}" type="datetimeFigureOut">
               <a:rPr lang="en-US" smtClean="0"/>
-              <a:t>10/8/19</a:t>
+              <a:t>10/15/19</a:t>
             </a:fld>
             <a:endParaRPr lang="en-US"/>
           </a:p>
@@ -1812,7 +1809,7 @@
           <a:p>
             <a:fld id="{5D7A1F8C-62F5-5C43-8A5F-0B140731EF0C}" type="datetimeFigureOut">
               <a:rPr lang="en-US" smtClean="0"/>
-              <a:t>10/8/19</a:t>
+              <a:t>10/15/19</a:t>
             </a:fld>
             <a:endParaRPr lang="en-US"/>
           </a:p>
@@ -2087,7 +2084,7 @@
           <a:p>
             <a:fld id="{5D7A1F8C-62F5-5C43-8A5F-0B140731EF0C}" type="datetimeFigureOut">
               <a:rPr lang="en-US" smtClean="0"/>
-              <a:t>10/8/19</a:t>
+              <a:t>10/15/19</a:t>
             </a:fld>
             <a:endParaRPr lang="en-US"/>
           </a:p>
@@ -2339,7 +2336,7 @@
           <a:p>
             <a:fld id="{5D7A1F8C-62F5-5C43-8A5F-0B140731EF0C}" type="datetimeFigureOut">
               <a:rPr lang="en-US" smtClean="0"/>
-              <a:t>10/8/19</a:t>
+              <a:t>10/15/19</a:t>
             </a:fld>
             <a:endParaRPr lang="en-US"/>
           </a:p>
@@ -2550,7 +2547,7 @@
           <a:p>
             <a:fld id="{5D7A1F8C-62F5-5C43-8A5F-0B140731EF0C}" type="datetimeFigureOut">
               <a:rPr lang="en-US" smtClean="0"/>
-              <a:t>10/8/19</a:t>
+              <a:t>10/15/19</a:t>
             </a:fld>
             <a:endParaRPr lang="en-US"/>
           </a:p>
@@ -3486,289 +3483,6 @@
 </p:sld>
 </file>
 
-<file path=ppt/slides/slide6.xml><?xml version="1.0" encoding="utf-8"?>
-<p:sld xmlns:a="http://schemas.openxmlformats.org/drawingml/2006/main" xmlns:r="http://schemas.openxmlformats.org/officeDocument/2006/relationships" xmlns:p="http://schemas.openxmlformats.org/presentationml/2006/main">
-  <p:cSld>
-    <p:spTree>
-      <p:nvGrpSpPr>
-        <p:cNvPr id="1" name=""/>
-        <p:cNvGrpSpPr/>
-        <p:nvPr/>
-      </p:nvGrpSpPr>
-      <p:grpSpPr>
-        <a:xfrm>
-          <a:off x="0" y="0"/>
-          <a:ext cx="0" cy="0"/>
-          <a:chOff x="0" y="0"/>
-          <a:chExt cx="0" cy="0"/>
-        </a:xfrm>
-      </p:grpSpPr>
-      <p:sp>
-        <p:nvSpPr>
-          <p:cNvPr id="2" name="Title 1"/>
-          <p:cNvSpPr>
-            <a:spLocks noGrp="1"/>
-          </p:cNvSpPr>
-          <p:nvPr>
-            <p:ph type="title"/>
-          </p:nvPr>
-        </p:nvSpPr>
-        <p:spPr/>
-        <p:txBody>
-          <a:bodyPr/>
-          <a:lstStyle/>
-          <a:p>
-            <a:r>
-              <a:rPr lang="en-US" dirty="0"/>
-              <a:t>Types of graphics</a:t>
-            </a:r>
-          </a:p>
-        </p:txBody>
-      </p:sp>
-      <p:sp>
-        <p:nvSpPr>
-          <p:cNvPr id="3" name="Content Placeholder 2"/>
-          <p:cNvSpPr>
-            <a:spLocks noGrp="1"/>
-          </p:cNvSpPr>
-          <p:nvPr>
-            <p:ph idx="1"/>
-          </p:nvPr>
-        </p:nvSpPr>
-        <p:spPr>
-          <a:xfrm>
-            <a:off x="838200" y="1825625"/>
-            <a:ext cx="2764809" cy="4351338"/>
-          </a:xfrm>
-        </p:spPr>
-        <p:txBody>
-          <a:bodyPr/>
-          <a:lstStyle/>
-          <a:p>
-            <a:r>
-              <a:rPr lang="en-US" dirty="0"/>
-              <a:t>Histogram – shows counts of continuous variables</a:t>
-            </a:r>
-          </a:p>
-          <a:p>
-            <a:endParaRPr lang="en-US" dirty="0"/>
-          </a:p>
-        </p:txBody>
-      </p:sp>
-    </p:spTree>
-    <p:extLst>
-      <p:ext uri="{BB962C8B-B14F-4D97-AF65-F5344CB8AC3E}">
-        <p14:creationId xmlns:p14="http://schemas.microsoft.com/office/powerpoint/2010/main" val="3768020826"/>
-      </p:ext>
-    </p:extLst>
-  </p:cSld>
-  <p:clrMapOvr>
-    <a:masterClrMapping/>
-  </p:clrMapOvr>
-</p:sld>
-</file>
-
-<file path=ppt/slides/slide7.xml><?xml version="1.0" encoding="utf-8"?>
-<p:sld xmlns:a="http://schemas.openxmlformats.org/drawingml/2006/main" xmlns:r="http://schemas.openxmlformats.org/officeDocument/2006/relationships" xmlns:p="http://schemas.openxmlformats.org/presentationml/2006/main">
-  <p:cSld>
-    <p:spTree>
-      <p:nvGrpSpPr>
-        <p:cNvPr id="1" name=""/>
-        <p:cNvGrpSpPr/>
-        <p:nvPr/>
-      </p:nvGrpSpPr>
-      <p:grpSpPr>
-        <a:xfrm>
-          <a:off x="0" y="0"/>
-          <a:ext cx="0" cy="0"/>
-          <a:chOff x="0" y="0"/>
-          <a:chExt cx="0" cy="0"/>
-        </a:xfrm>
-      </p:grpSpPr>
-      <p:sp>
-        <p:nvSpPr>
-          <p:cNvPr id="2" name="Title 1"/>
-          <p:cNvSpPr>
-            <a:spLocks noGrp="1"/>
-          </p:cNvSpPr>
-          <p:nvPr>
-            <p:ph type="title"/>
-          </p:nvPr>
-        </p:nvSpPr>
-        <p:spPr/>
-        <p:txBody>
-          <a:bodyPr/>
-          <a:lstStyle/>
-          <a:p>
-            <a:r>
-              <a:rPr lang="en-US" dirty="0"/>
-              <a:t>Types of graphics</a:t>
-            </a:r>
-          </a:p>
-        </p:txBody>
-      </p:sp>
-      <p:sp>
-        <p:nvSpPr>
-          <p:cNvPr id="3" name="Content Placeholder 2"/>
-          <p:cNvSpPr>
-            <a:spLocks noGrp="1"/>
-          </p:cNvSpPr>
-          <p:nvPr>
-            <p:ph idx="1"/>
-          </p:nvPr>
-        </p:nvSpPr>
-        <p:spPr>
-          <a:xfrm>
-            <a:off x="838200" y="1825625"/>
-            <a:ext cx="2764809" cy="4351338"/>
-          </a:xfrm>
-        </p:spPr>
-        <p:txBody>
-          <a:bodyPr>
-            <a:normAutofit fontScale="85000" lnSpcReduction="10000"/>
-          </a:bodyPr>
-          <a:lstStyle/>
-          <a:p>
-            <a:r>
-              <a:rPr lang="en-US" dirty="0"/>
-              <a:t>Boxplot – shows variation within a continuous variable</a:t>
-            </a:r>
-          </a:p>
-          <a:p>
-            <a:pPr lvl="1"/>
-            <a:endParaRPr lang="en-US" dirty="0"/>
-          </a:p>
-          <a:p>
-            <a:r>
-              <a:rPr lang="en-US" dirty="0"/>
-              <a:t>Shows minimum*, first </a:t>
-            </a:r>
-            <a:r>
-              <a:rPr lang="en-US" b="1" dirty="0"/>
-              <a:t>quartile</a:t>
-            </a:r>
-            <a:r>
-              <a:rPr lang="en-US" dirty="0"/>
-              <a:t>, median, third </a:t>
-            </a:r>
-            <a:r>
-              <a:rPr lang="en-US" b="1" dirty="0"/>
-              <a:t>quartile</a:t>
-            </a:r>
-            <a:r>
-              <a:rPr lang="en-US" dirty="0"/>
-              <a:t>, and maximum*</a:t>
-            </a:r>
-          </a:p>
-          <a:p>
-            <a:r>
-              <a:rPr lang="en-US" dirty="0"/>
-              <a:t>Violin plot is similar, but has more information</a:t>
-            </a:r>
-          </a:p>
-        </p:txBody>
-      </p:sp>
-    </p:spTree>
-    <p:extLst>
-      <p:ext uri="{BB962C8B-B14F-4D97-AF65-F5344CB8AC3E}">
-        <p14:creationId xmlns:p14="http://schemas.microsoft.com/office/powerpoint/2010/main" val="2353415141"/>
-      </p:ext>
-    </p:extLst>
-  </p:cSld>
-  <p:clrMapOvr>
-    <a:masterClrMapping/>
-  </p:clrMapOvr>
-</p:sld>
-</file>
-
-<file path=ppt/slides/slide8.xml><?xml version="1.0" encoding="utf-8"?>
-<p:sld xmlns:a="http://schemas.openxmlformats.org/drawingml/2006/main" xmlns:r="http://schemas.openxmlformats.org/officeDocument/2006/relationships" xmlns:p="http://schemas.openxmlformats.org/presentationml/2006/main">
-  <p:cSld>
-    <p:spTree>
-      <p:nvGrpSpPr>
-        <p:cNvPr id="1" name=""/>
-        <p:cNvGrpSpPr/>
-        <p:nvPr/>
-      </p:nvGrpSpPr>
-      <p:grpSpPr>
-        <a:xfrm>
-          <a:off x="0" y="0"/>
-          <a:ext cx="0" cy="0"/>
-          <a:chOff x="0" y="0"/>
-          <a:chExt cx="0" cy="0"/>
-        </a:xfrm>
-      </p:grpSpPr>
-      <p:sp>
-        <p:nvSpPr>
-          <p:cNvPr id="2" name="Title 1"/>
-          <p:cNvSpPr>
-            <a:spLocks noGrp="1"/>
-          </p:cNvSpPr>
-          <p:nvPr>
-            <p:ph type="title"/>
-          </p:nvPr>
-        </p:nvSpPr>
-        <p:spPr/>
-        <p:txBody>
-          <a:bodyPr/>
-          <a:lstStyle/>
-          <a:p>
-            <a:r>
-              <a:rPr lang="en-US" dirty="0"/>
-              <a:t>Types of graphics</a:t>
-            </a:r>
-          </a:p>
-        </p:txBody>
-      </p:sp>
-      <p:sp>
-        <p:nvSpPr>
-          <p:cNvPr id="3" name="Content Placeholder 2"/>
-          <p:cNvSpPr>
-            <a:spLocks noGrp="1"/>
-          </p:cNvSpPr>
-          <p:nvPr>
-            <p:ph idx="1"/>
-          </p:nvPr>
-        </p:nvSpPr>
-        <p:spPr>
-          <a:xfrm>
-            <a:off x="838200" y="1825625"/>
-            <a:ext cx="2764809" cy="4351338"/>
-          </a:xfrm>
-        </p:spPr>
-        <p:txBody>
-          <a:bodyPr>
-            <a:normAutofit/>
-          </a:bodyPr>
-          <a:lstStyle/>
-          <a:p>
-            <a:r>
-              <a:rPr lang="en-US" dirty="0"/>
-              <a:t>Scatterplot</a:t>
-            </a:r>
-          </a:p>
-          <a:p>
-            <a:pPr lvl="1"/>
-            <a:r>
-              <a:rPr lang="en-US" dirty="0"/>
-              <a:t>Continuous x and y data</a:t>
-            </a:r>
-          </a:p>
-        </p:txBody>
-      </p:sp>
-    </p:spTree>
-    <p:extLst>
-      <p:ext uri="{BB962C8B-B14F-4D97-AF65-F5344CB8AC3E}">
-        <p14:creationId xmlns:p14="http://schemas.microsoft.com/office/powerpoint/2010/main" val="1424817064"/>
-      </p:ext>
-    </p:extLst>
-  </p:cSld>
-  <p:clrMapOvr>
-    <a:masterClrMapping/>
-  </p:clrMapOvr>
-</p:sld>
-</file>
-
 <file path=ppt/theme/theme1.xml><?xml version="1.0" encoding="utf-8"?>
 <a:theme xmlns:a="http://schemas.openxmlformats.org/drawingml/2006/main" name="Office Theme">
   <a:themeElements>
